--- a/Final_Package/Bobo/自己的簡歷.pptx
+++ b/Final_Package/Bobo/自己的簡歷.pptx
@@ -23,23 +23,23 @@
       <p:regular r:id="rId9"/>
     </p:embeddedFont>
     <p:embeddedFont>
-      <p:font typeface="Didact Gothic" panose="00000500000000000000" pitchFamily="2" charset="0"/>
+      <p:font typeface="Didact Gothic" panose="02020500000000000000" charset="0"/>
       <p:regular r:id="rId10"/>
     </p:embeddedFont>
     <p:embeddedFont>
-      <p:font typeface="Roboto Black" panose="02000000000000000000" pitchFamily="2" charset="0"/>
+      <p:font typeface="Roboto Black" panose="02020500000000000000" charset="0"/>
       <p:bold r:id="rId11"/>
       <p:boldItalic r:id="rId12"/>
     </p:embeddedFont>
     <p:embeddedFont>
-      <p:font typeface="Roboto Light" panose="02000000000000000000" pitchFamily="2" charset="0"/>
+      <p:font typeface="Roboto Light" panose="02020500000000000000" charset="0"/>
       <p:regular r:id="rId13"/>
       <p:bold r:id="rId14"/>
       <p:italic r:id="rId15"/>
       <p:boldItalic r:id="rId16"/>
     </p:embeddedFont>
     <p:embeddedFont>
-      <p:font typeface="Roboto Thin" panose="02000000000000000000" pitchFamily="2" charset="0"/>
+      <p:font typeface="Roboto Thin" panose="02020500000000000000" charset="0"/>
       <p:regular r:id="rId17"/>
       <p:bold r:id="rId18"/>
       <p:italic r:id="rId19"/>
@@ -18193,6 +18193,36 @@
           </a:p>
         </p:txBody>
       </p:sp>
+      <p:pic>
+        <p:nvPicPr>
+          <p:cNvPr id="7" name="圖片 6">
+            <a:extLst>
+              <a:ext uri="{FF2B5EF4-FFF2-40B4-BE49-F238E27FC236}">
+                <a16:creationId xmlns:a16="http://schemas.microsoft.com/office/drawing/2014/main" id="{B98CBC9E-B4B0-4206-A2C0-5DC15297302A}"/>
+              </a:ext>
+            </a:extLst>
+          </p:cNvPr>
+          <p:cNvPicPr>
+            <a:picLocks noChangeAspect="1"/>
+          </p:cNvPicPr>
+          <p:nvPr/>
+        </p:nvPicPr>
+        <p:blipFill>
+          <a:blip r:embed="rId3"/>
+          <a:stretch>
+            <a:fillRect/>
+          </a:stretch>
+        </p:blipFill>
+        <p:spPr>
+          <a:xfrm>
+            <a:off x="2115040" y="278279"/>
+            <a:ext cx="895968" cy="1230058"/>
+          </a:xfrm>
+          <a:prstGeom prst="rect">
+            <a:avLst/>
+          </a:prstGeom>
+        </p:spPr>
+      </p:pic>
     </p:spTree>
   </p:cSld>
   <p:clrMapOvr>
